--- a/Presentations/DS_Project_Week-3.pptx
+++ b/Presentations/DS_Project_Week-3.pptx
@@ -252,7 +252,7 @@
           <a:p>
             <a:fld id="{D3EB3054-B75A-4BD7-8B3E-8DC0F614FAF3}" type="datetimeFigureOut">
               <a:rPr lang="de-DE" smtClean="0"/>
-              <a:t>04.03.2025</a:t>
+              <a:t>19.03.2025</a:t>
             </a:fld>
             <a:endParaRPr lang="de-DE"/>
           </a:p>
@@ -420,7 +420,7 @@
           <a:p>
             <a:fld id="{D3EB3054-B75A-4BD7-8B3E-8DC0F614FAF3}" type="datetimeFigureOut">
               <a:rPr lang="de-DE" smtClean="0"/>
-              <a:t>04.03.2025</a:t>
+              <a:t>19.03.2025</a:t>
             </a:fld>
             <a:endParaRPr lang="de-DE"/>
           </a:p>
@@ -598,7 +598,7 @@
           <a:p>
             <a:fld id="{D3EB3054-B75A-4BD7-8B3E-8DC0F614FAF3}" type="datetimeFigureOut">
               <a:rPr lang="de-DE" smtClean="0"/>
-              <a:t>04.03.2025</a:t>
+              <a:t>19.03.2025</a:t>
             </a:fld>
             <a:endParaRPr lang="de-DE"/>
           </a:p>
@@ -766,7 +766,7 @@
           <a:p>
             <a:fld id="{D3EB3054-B75A-4BD7-8B3E-8DC0F614FAF3}" type="datetimeFigureOut">
               <a:rPr lang="de-DE" smtClean="0"/>
-              <a:t>04.03.2025</a:t>
+              <a:t>19.03.2025</a:t>
             </a:fld>
             <a:endParaRPr lang="de-DE"/>
           </a:p>
@@ -1011,7 +1011,7 @@
           <a:p>
             <a:fld id="{D3EB3054-B75A-4BD7-8B3E-8DC0F614FAF3}" type="datetimeFigureOut">
               <a:rPr lang="de-DE" smtClean="0"/>
-              <a:t>04.03.2025</a:t>
+              <a:t>19.03.2025</a:t>
             </a:fld>
             <a:endParaRPr lang="de-DE"/>
           </a:p>
@@ -1240,7 +1240,7 @@
           <a:p>
             <a:fld id="{D3EB3054-B75A-4BD7-8B3E-8DC0F614FAF3}" type="datetimeFigureOut">
               <a:rPr lang="de-DE" smtClean="0"/>
-              <a:t>04.03.2025</a:t>
+              <a:t>19.03.2025</a:t>
             </a:fld>
             <a:endParaRPr lang="de-DE"/>
           </a:p>
@@ -1604,7 +1604,7 @@
           <a:p>
             <a:fld id="{D3EB3054-B75A-4BD7-8B3E-8DC0F614FAF3}" type="datetimeFigureOut">
               <a:rPr lang="de-DE" smtClean="0"/>
-              <a:t>04.03.2025</a:t>
+              <a:t>19.03.2025</a:t>
             </a:fld>
             <a:endParaRPr lang="de-DE"/>
           </a:p>
@@ -1721,7 +1721,7 @@
           <a:p>
             <a:fld id="{D3EB3054-B75A-4BD7-8B3E-8DC0F614FAF3}" type="datetimeFigureOut">
               <a:rPr lang="de-DE" smtClean="0"/>
-              <a:t>04.03.2025</a:t>
+              <a:t>19.03.2025</a:t>
             </a:fld>
             <a:endParaRPr lang="de-DE"/>
           </a:p>
@@ -1816,7 +1816,7 @@
           <a:p>
             <a:fld id="{D3EB3054-B75A-4BD7-8B3E-8DC0F614FAF3}" type="datetimeFigureOut">
               <a:rPr lang="de-DE" smtClean="0"/>
-              <a:t>04.03.2025</a:t>
+              <a:t>19.03.2025</a:t>
             </a:fld>
             <a:endParaRPr lang="de-DE"/>
           </a:p>
@@ -2091,7 +2091,7 @@
           <a:p>
             <a:fld id="{D3EB3054-B75A-4BD7-8B3E-8DC0F614FAF3}" type="datetimeFigureOut">
               <a:rPr lang="de-DE" smtClean="0"/>
-              <a:t>04.03.2025</a:t>
+              <a:t>19.03.2025</a:t>
             </a:fld>
             <a:endParaRPr lang="de-DE"/>
           </a:p>
@@ -2343,7 +2343,7 @@
           <a:p>
             <a:fld id="{D3EB3054-B75A-4BD7-8B3E-8DC0F614FAF3}" type="datetimeFigureOut">
               <a:rPr lang="de-DE" smtClean="0"/>
-              <a:t>04.03.2025</a:t>
+              <a:t>19.03.2025</a:t>
             </a:fld>
             <a:endParaRPr lang="de-DE"/>
           </a:p>
@@ -2554,7 +2554,7 @@
           <a:p>
             <a:fld id="{D3EB3054-B75A-4BD7-8B3E-8DC0F614FAF3}" type="datetimeFigureOut">
               <a:rPr lang="de-DE" smtClean="0"/>
-              <a:t>04.03.2025</a:t>
+              <a:t>19.03.2025</a:t>
             </a:fld>
             <a:endParaRPr lang="de-DE"/>
           </a:p>
@@ -4229,21 +4229,93 @@
           <a:p>
             <a:r>
               <a:rPr lang="de-DE" sz="2000" dirty="0" err="1"/>
-              <a:t>Bla</a:t>
-            </a:r>
-          </a:p>
-          <a:p>
-            <a:r>
-              <a:rPr lang="de-DE" sz="2000" err="1"/>
-              <a:t>Bli</a:t>
-            </a:r>
-            <a:endParaRPr lang="de-DE" sz="2000" dirty="0" err="1"/>
-          </a:p>
-          <a:p>
+              <a:t>visualize</a:t>
+            </a:r>
             <a:r>
               <a:rPr lang="de-DE" sz="2000" dirty="0"/>
-              <a:t>Blubb</a:t>
-            </a:r>
+              <a:t> all </a:t>
+            </a:r>
+            <a:r>
+              <a:rPr lang="de-DE" sz="2000" dirty="0" err="1"/>
+              <a:t>the</a:t>
+            </a:r>
+            <a:r>
+              <a:rPr lang="de-DE" sz="2000" dirty="0"/>
+              <a:t> </a:t>
+            </a:r>
+            <a:r>
+              <a:rPr lang="de-DE" sz="2000" dirty="0" err="1"/>
+              <a:t>questions</a:t>
+            </a:r>
+            <a:endParaRPr lang="de-DE" sz="2000" dirty="0"/>
+          </a:p>
+          <a:p>
+            <a:r>
+              <a:rPr lang="de-DE" sz="2000" dirty="0" err="1"/>
+              <a:t>put</a:t>
+            </a:r>
+            <a:r>
+              <a:rPr lang="de-DE" sz="2000" dirty="0"/>
+              <a:t> all </a:t>
+            </a:r>
+            <a:r>
+              <a:rPr lang="de-DE" sz="2000" dirty="0" err="1"/>
+              <a:t>visualizations</a:t>
+            </a:r>
+            <a:r>
+              <a:rPr lang="de-DE" sz="2000" dirty="0"/>
+              <a:t> on </a:t>
+            </a:r>
+            <a:r>
+              <a:rPr lang="de-DE" sz="2000" dirty="0" err="1"/>
+              <a:t>the</a:t>
+            </a:r>
+            <a:r>
+              <a:rPr lang="de-DE" sz="2000" dirty="0"/>
+              <a:t> </a:t>
+            </a:r>
+            <a:r>
+              <a:rPr lang="de-DE" sz="2000" dirty="0" err="1"/>
+              <a:t>website</a:t>
+            </a:r>
+            <a:endParaRPr lang="de-DE" sz="2000" dirty="0"/>
+          </a:p>
+          <a:p>
+            <a:r>
+              <a:rPr lang="de-DE" sz="2000" dirty="0" err="1"/>
+              <a:t>write</a:t>
+            </a:r>
+            <a:r>
+              <a:rPr lang="de-DE" sz="2000" dirty="0"/>
+              <a:t> </a:t>
+            </a:r>
+            <a:r>
+              <a:rPr lang="de-DE" sz="2000" dirty="0" err="1"/>
+              <a:t>website</a:t>
+            </a:r>
+            <a:r>
+              <a:rPr lang="de-DE" sz="2000" dirty="0"/>
+              <a:t>/</a:t>
+            </a:r>
+            <a:r>
+              <a:rPr lang="de-DE" sz="2000" dirty="0" err="1"/>
+              <a:t>documentation</a:t>
+            </a:r>
+            <a:r>
+              <a:rPr lang="de-DE" sz="2000" dirty="0"/>
+              <a:t> </a:t>
+            </a:r>
+            <a:r>
+              <a:rPr lang="de-DE" sz="2000" dirty="0" err="1"/>
+              <a:t>texts</a:t>
+            </a:r>
+            <a:endParaRPr lang="de-DE" sz="2000" dirty="0"/>
+          </a:p>
+          <a:p>
+            <a:endParaRPr lang="de-DE" sz="2000" dirty="0"/>
+          </a:p>
+          <a:p>
+            <a:endParaRPr lang="de-DE" sz="2000" dirty="0"/>
           </a:p>
         </p:txBody>
       </p:sp>
@@ -4826,8 +4898,25 @@
             </a:pPr>
             <a:r>
               <a:rPr lang="de-DE" sz="2000" dirty="0" err="1"/>
-              <a:t>Bla</a:t>
-            </a:r>
+              <a:t>make</a:t>
+            </a:r>
+            <a:r>
+              <a:rPr lang="de-DE" sz="2000" dirty="0"/>
+              <a:t> </a:t>
+            </a:r>
+            <a:r>
+              <a:rPr lang="de-DE" sz="2000" dirty="0" err="1"/>
+              <a:t>website</a:t>
+            </a:r>
+            <a:r>
+              <a:rPr lang="de-DE" sz="2000" dirty="0"/>
+              <a:t> </a:t>
+            </a:r>
+            <a:r>
+              <a:rPr lang="de-DE" sz="2000" dirty="0" err="1"/>
+              <a:t>accessible</a:t>
+            </a:r>
+            <a:endParaRPr lang="de-DE" sz="2000" dirty="0"/>
           </a:p>
           <a:p>
             <a:pPr>
@@ -4836,9 +4925,33 @@
             </a:pPr>
             <a:r>
               <a:rPr lang="de-DE" sz="2000" dirty="0" err="1"/>
-              <a:t>Bli</a:t>
-            </a:r>
-            <a:endParaRPr lang="de-DE" sz="2000"/>
+              <a:t>filter</a:t>
+            </a:r>
+            <a:r>
+              <a:rPr lang="de-DE" sz="2000" dirty="0"/>
+              <a:t> </a:t>
+            </a:r>
+            <a:r>
+              <a:rPr lang="de-DE" sz="2000" dirty="0" err="1"/>
+              <a:t>results</a:t>
+            </a:r>
+            <a:r>
+              <a:rPr lang="de-DE" sz="2000" dirty="0"/>
+              <a:t> </a:t>
+            </a:r>
+            <a:r>
+              <a:rPr lang="de-DE" sz="2000" dirty="0" err="1"/>
+              <a:t>for</a:t>
+            </a:r>
+            <a:r>
+              <a:rPr lang="de-DE" sz="2000" dirty="0"/>
+              <a:t> </a:t>
+            </a:r>
+            <a:r>
+              <a:rPr lang="de-DE" sz="2000" dirty="0" err="1"/>
+              <a:t>poster</a:t>
+            </a:r>
+            <a:endParaRPr lang="de-DE" sz="2000" dirty="0"/>
           </a:p>
           <a:p>
             <a:pPr>
@@ -4846,10 +4959,40 @@
               <a:buChar char="•"/>
             </a:pPr>
             <a:r>
+              <a:rPr lang="de-DE" sz="2000" dirty="0" err="1"/>
+              <a:t>fill</a:t>
+            </a:r>
+            <a:r>
               <a:rPr lang="de-DE" sz="2000" dirty="0"/>
-              <a:t>Blubb</a:t>
-            </a:r>
-            <a:endParaRPr lang="de-DE" dirty="0"/>
+              <a:t> </a:t>
+            </a:r>
+            <a:r>
+              <a:rPr lang="de-DE" sz="2000" dirty="0" err="1"/>
+              <a:t>poster</a:t>
+            </a:r>
+            <a:r>
+              <a:rPr lang="de-DE" sz="2000" dirty="0"/>
+              <a:t> </a:t>
+            </a:r>
+            <a:r>
+              <a:rPr lang="de-DE" sz="2000" dirty="0" err="1"/>
+              <a:t>template</a:t>
+            </a:r>
+            <a:endParaRPr lang="de-DE" sz="2000" dirty="0"/>
+          </a:p>
+          <a:p>
+            <a:pPr>
+              <a:buFont typeface="Arial"/>
+              <a:buChar char="•"/>
+            </a:pPr>
+            <a:r>
+              <a:rPr lang="de-DE" sz="2000" dirty="0" err="1"/>
+              <a:t>write</a:t>
+            </a:r>
+            <a:r>
+              <a:rPr lang="de-DE" sz="2000" dirty="0"/>
+              <a:t> README.md</a:t>
+            </a:r>
           </a:p>
         </p:txBody>
       </p:sp>
@@ -5444,9 +5587,10 @@
               <a:buChar char="•"/>
             </a:pPr>
             <a:r>
-              <a:rPr lang="de-DE" sz="2000" err="1"/>
+              <a:rPr lang="de-DE" sz="2000" dirty="0" err="1"/>
               <a:t>Bla</a:t>
             </a:r>
+            <a:endParaRPr lang="de-DE" sz="2000" dirty="0"/>
           </a:p>
           <a:p>
             <a:pPr>
@@ -5457,7 +5601,7 @@
               <a:rPr lang="de-DE" sz="2000" dirty="0" err="1"/>
               <a:t>Bli</a:t>
             </a:r>
-            <a:endParaRPr lang="de-DE" sz="2000"/>
+            <a:endParaRPr lang="de-DE" sz="2000" dirty="0"/>
           </a:p>
           <a:p>
             <a:pPr>
